--- a/PPT for End-to-End-DevOps-Workflow.pptx
+++ b/PPT for End-to-End-DevOps-Workflow.pptx
@@ -113,6 +113,11 @@
       </a:defRPr>
     </a:lvl9pPr>
   </p:defaultTextStyle>
+  <p:extLst>
+    <p:ext uri="{EFAFB233-063F-42B5-8137-9DF3F51BA10A}">
+      <p15:sldGuideLst xmlns:p15="http://schemas.microsoft.com/office/powerpoint/2012/main"/>
+    </p:ext>
+  </p:extLst>
 </p:presentation>
 </file>
 
@@ -1285,6 +1290,48 @@
           </a:prstGeom>
         </p:spPr>
       </p:pic>
+      <p:sp>
+        <p:nvSpPr>
+          <p:cNvPr id="4" name="TextBox 3">
+            <a:extLst>
+              <a:ext uri="{FF2B5EF4-FFF2-40B4-BE49-F238E27FC236}">
+                <a16:creationId xmlns:a16="http://schemas.microsoft.com/office/drawing/2014/main" id="{7590EBFA-A939-5227-8B5A-F416921B135B}"/>
+              </a:ext>
+            </a:extLst>
+          </p:cNvPr>
+          <p:cNvSpPr txBox="1"/>
+          <p:nvPr/>
+        </p:nvSpPr>
+        <p:spPr>
+          <a:xfrm>
+            <a:off x="576941" y="4604656"/>
+            <a:ext cx="2492829" cy="338554"/>
+          </a:xfrm>
+          <a:prstGeom prst="rect">
+            <a:avLst/>
+          </a:prstGeom>
+          <a:noFill/>
+        </p:spPr>
+        <p:txBody>
+          <a:bodyPr wrap="square" rtlCol="0">
+            <a:spAutoFit/>
+          </a:bodyPr>
+          <a:lstStyle/>
+          <a:p>
+            <a:r>
+              <a:rPr lang="en-US" sz="1600" dirty="0">
+                <a:solidFill>
+                  <a:schemeClr val="tx1">
+                    <a:lumMod val="75000"/>
+                    <a:lumOff val="25000"/>
+                  </a:schemeClr>
+                </a:solidFill>
+              </a:rPr>
+              <a:t>Mentor – Akhil</a:t>
+            </a:r>
+          </a:p>
+        </p:txBody>
+      </p:sp>
     </p:spTree>
     <p:extLst>
       <p:ext uri="{BB962C8B-B14F-4D97-AF65-F5344CB8AC3E}">
@@ -1908,8 +1955,8 @@
           </a:prstGeom>
         </p:spPr>
       </p:pic>
-      <mc:AlternateContent xmlns:mc="http://schemas.openxmlformats.org/markup-compatibility/2006">
-        <mc:Choice xmlns:p14="http://schemas.microsoft.com/office/powerpoint/2010/main" Requires="p14">
+      <mc:AlternateContent xmlns:mc="http://schemas.openxmlformats.org/markup-compatibility/2006" xmlns:p14="http://schemas.microsoft.com/office/powerpoint/2010/main">
+        <mc:Choice Requires="p14">
           <p:contentPart p14:bwMode="auto" r:id="rId3">
             <p14:nvContentPartPr>
               <p14:cNvPr id="4" name="Ink 3">
@@ -1928,7 +1975,7 @@
             </p14:xfrm>
           </p:contentPart>
         </mc:Choice>
-        <mc:Fallback>
+        <mc:Fallback xmlns="">
           <p:pic>
             <p:nvPicPr>
               <p:cNvPr id="4" name="Ink 3">
@@ -1959,8 +2006,8 @@
           </p:pic>
         </mc:Fallback>
       </mc:AlternateContent>
-      <mc:AlternateContent xmlns:mc="http://schemas.openxmlformats.org/markup-compatibility/2006">
-        <mc:Choice xmlns:p14="http://schemas.microsoft.com/office/powerpoint/2010/main" Requires="p14">
+      <mc:AlternateContent xmlns:mc="http://schemas.openxmlformats.org/markup-compatibility/2006" xmlns:p14="http://schemas.microsoft.com/office/powerpoint/2010/main">
+        <mc:Choice Requires="p14">
           <p:contentPart p14:bwMode="auto" r:id="rId5">
             <p14:nvContentPartPr>
               <p14:cNvPr id="5" name="Ink 4">
@@ -1979,7 +2026,7 @@
             </p14:xfrm>
           </p:contentPart>
         </mc:Choice>
-        <mc:Fallback>
+        <mc:Fallback xmlns="">
           <p:pic>
             <p:nvPicPr>
               <p:cNvPr id="5" name="Ink 4">
@@ -2010,8 +2057,8 @@
           </p:pic>
         </mc:Fallback>
       </mc:AlternateContent>
-      <mc:AlternateContent xmlns:mc="http://schemas.openxmlformats.org/markup-compatibility/2006">
-        <mc:Choice xmlns:p14="http://schemas.microsoft.com/office/powerpoint/2010/main" Requires="p14">
+      <mc:AlternateContent xmlns:mc="http://schemas.openxmlformats.org/markup-compatibility/2006" xmlns:p14="http://schemas.microsoft.com/office/powerpoint/2010/main">
+        <mc:Choice Requires="p14">
           <p:contentPart p14:bwMode="auto" r:id="rId7">
             <p14:nvContentPartPr>
               <p14:cNvPr id="7" name="Ink 6">
@@ -2030,7 +2077,7 @@
             </p14:xfrm>
           </p:contentPart>
         </mc:Choice>
-        <mc:Fallback>
+        <mc:Fallback xmlns="">
           <p:pic>
             <p:nvPicPr>
               <p:cNvPr id="7" name="Ink 6">
@@ -2061,8 +2108,8 @@
           </p:pic>
         </mc:Fallback>
       </mc:AlternateContent>
-      <mc:AlternateContent xmlns:mc="http://schemas.openxmlformats.org/markup-compatibility/2006">
-        <mc:Choice xmlns:p14="http://schemas.microsoft.com/office/powerpoint/2010/main" Requires="p14">
+      <mc:AlternateContent xmlns:mc="http://schemas.openxmlformats.org/markup-compatibility/2006" xmlns:p14="http://schemas.microsoft.com/office/powerpoint/2010/main">
+        <mc:Choice Requires="p14">
           <p:contentPart p14:bwMode="auto" r:id="rId9">
             <p14:nvContentPartPr>
               <p14:cNvPr id="9" name="Ink 8">
@@ -2081,7 +2128,7 @@
             </p14:xfrm>
           </p:contentPart>
         </mc:Choice>
-        <mc:Fallback>
+        <mc:Fallback xmlns="">
           <p:pic>
             <p:nvPicPr>
               <p:cNvPr id="9" name="Ink 8">
@@ -2112,8 +2159,8 @@
           </p:pic>
         </mc:Fallback>
       </mc:AlternateContent>
-      <mc:AlternateContent xmlns:mc="http://schemas.openxmlformats.org/markup-compatibility/2006">
-        <mc:Choice xmlns:p14="http://schemas.microsoft.com/office/powerpoint/2010/main" Requires="p14">
+      <mc:AlternateContent xmlns:mc="http://schemas.openxmlformats.org/markup-compatibility/2006" xmlns:p14="http://schemas.microsoft.com/office/powerpoint/2010/main">
+        <mc:Choice Requires="p14">
           <p:contentPart p14:bwMode="auto" r:id="rId11">
             <p14:nvContentPartPr>
               <p14:cNvPr id="10" name="Ink 9">
@@ -2132,7 +2179,7 @@
             </p14:xfrm>
           </p:contentPart>
         </mc:Choice>
-        <mc:Fallback>
+        <mc:Fallback xmlns="">
           <p:pic>
             <p:nvPicPr>
               <p:cNvPr id="10" name="Ink 9">
@@ -2163,8 +2210,8 @@
           </p:pic>
         </mc:Fallback>
       </mc:AlternateContent>
-      <mc:AlternateContent xmlns:mc="http://schemas.openxmlformats.org/markup-compatibility/2006">
-        <mc:Choice xmlns:p14="http://schemas.microsoft.com/office/powerpoint/2010/main" Requires="p14">
+      <mc:AlternateContent xmlns:mc="http://schemas.openxmlformats.org/markup-compatibility/2006" xmlns:p14="http://schemas.microsoft.com/office/powerpoint/2010/main">
+        <mc:Choice Requires="p14">
           <p:contentPart p14:bwMode="auto" r:id="rId13">
             <p14:nvContentPartPr>
               <p14:cNvPr id="11" name="Ink 10">
@@ -2183,7 +2230,7 @@
             </p14:xfrm>
           </p:contentPart>
         </mc:Choice>
-        <mc:Fallback>
+        <mc:Fallback xmlns="">
           <p:pic>
             <p:nvPicPr>
               <p:cNvPr id="11" name="Ink 10">
@@ -2214,8 +2261,8 @@
           </p:pic>
         </mc:Fallback>
       </mc:AlternateContent>
-      <mc:AlternateContent xmlns:mc="http://schemas.openxmlformats.org/markup-compatibility/2006">
-        <mc:Choice xmlns:p14="http://schemas.microsoft.com/office/powerpoint/2010/main" Requires="p14">
+      <mc:AlternateContent xmlns:mc="http://schemas.openxmlformats.org/markup-compatibility/2006" xmlns:p14="http://schemas.microsoft.com/office/powerpoint/2010/main">
+        <mc:Choice Requires="p14">
           <p:contentPart p14:bwMode="auto" r:id="rId15">
             <p14:nvContentPartPr>
               <p14:cNvPr id="13" name="Ink 12">
@@ -2234,7 +2281,7 @@
             </p14:xfrm>
           </p:contentPart>
         </mc:Choice>
-        <mc:Fallback>
+        <mc:Fallback xmlns="">
           <p:pic>
             <p:nvPicPr>
               <p:cNvPr id="13" name="Ink 12">
@@ -2265,8 +2312,8 @@
           </p:pic>
         </mc:Fallback>
       </mc:AlternateContent>
-      <mc:AlternateContent xmlns:mc="http://schemas.openxmlformats.org/markup-compatibility/2006">
-        <mc:Choice xmlns:p14="http://schemas.microsoft.com/office/powerpoint/2010/main" Requires="p14">
+      <mc:AlternateContent xmlns:mc="http://schemas.openxmlformats.org/markup-compatibility/2006" xmlns:p14="http://schemas.microsoft.com/office/powerpoint/2010/main">
+        <mc:Choice Requires="p14">
           <p:contentPart p14:bwMode="auto" r:id="rId17">
             <p14:nvContentPartPr>
               <p14:cNvPr id="18" name="Ink 17">
@@ -2285,7 +2332,7 @@
             </p14:xfrm>
           </p:contentPart>
         </mc:Choice>
-        <mc:Fallback>
+        <mc:Fallback xmlns="">
           <p:pic>
             <p:nvPicPr>
               <p:cNvPr id="18" name="Ink 17">
@@ -2316,8 +2363,8 @@
           </p:pic>
         </mc:Fallback>
       </mc:AlternateContent>
-      <mc:AlternateContent xmlns:mc="http://schemas.openxmlformats.org/markup-compatibility/2006">
-        <mc:Choice xmlns:p14="http://schemas.microsoft.com/office/powerpoint/2010/main" Requires="p14">
+      <mc:AlternateContent xmlns:mc="http://schemas.openxmlformats.org/markup-compatibility/2006" xmlns:p14="http://schemas.microsoft.com/office/powerpoint/2010/main">
+        <mc:Choice Requires="p14">
           <p:contentPart p14:bwMode="auto" r:id="rId19">
             <p14:nvContentPartPr>
               <p14:cNvPr id="20" name="Ink 19">
@@ -2336,7 +2383,7 @@
             </p14:xfrm>
           </p:contentPart>
         </mc:Choice>
-        <mc:Fallback>
+        <mc:Fallback xmlns="">
           <p:pic>
             <p:nvPicPr>
               <p:cNvPr id="20" name="Ink 19">
@@ -2367,8 +2414,8 @@
           </p:pic>
         </mc:Fallback>
       </mc:AlternateContent>
-      <mc:AlternateContent xmlns:mc="http://schemas.openxmlformats.org/markup-compatibility/2006">
-        <mc:Choice xmlns:p14="http://schemas.microsoft.com/office/powerpoint/2010/main" Requires="p14">
+      <mc:AlternateContent xmlns:mc="http://schemas.openxmlformats.org/markup-compatibility/2006" xmlns:p14="http://schemas.microsoft.com/office/powerpoint/2010/main">
+        <mc:Choice Requires="p14">
           <p:contentPart p14:bwMode="auto" r:id="rId21">
             <p14:nvContentPartPr>
               <p14:cNvPr id="21" name="Ink 20">
@@ -2387,7 +2434,7 @@
             </p14:xfrm>
           </p:contentPart>
         </mc:Choice>
-        <mc:Fallback>
+        <mc:Fallback xmlns="">
           <p:pic>
             <p:nvPicPr>
               <p:cNvPr id="21" name="Ink 20">
@@ -2418,8 +2465,8 @@
           </p:pic>
         </mc:Fallback>
       </mc:AlternateContent>
-      <mc:AlternateContent xmlns:mc="http://schemas.openxmlformats.org/markup-compatibility/2006">
-        <mc:Choice xmlns:p14="http://schemas.microsoft.com/office/powerpoint/2010/main" Requires="p14">
+      <mc:AlternateContent xmlns:mc="http://schemas.openxmlformats.org/markup-compatibility/2006" xmlns:p14="http://schemas.microsoft.com/office/powerpoint/2010/main">
+        <mc:Choice Requires="p14">
           <p:contentPart p14:bwMode="auto" r:id="rId23">
             <p14:nvContentPartPr>
               <p14:cNvPr id="22" name="Ink 21">
@@ -2438,7 +2485,7 @@
             </p14:xfrm>
           </p:contentPart>
         </mc:Choice>
-        <mc:Fallback>
+        <mc:Fallback xmlns="">
           <p:pic>
             <p:nvPicPr>
               <p:cNvPr id="22" name="Ink 21">
@@ -2469,8 +2516,8 @@
           </p:pic>
         </mc:Fallback>
       </mc:AlternateContent>
-      <mc:AlternateContent xmlns:mc="http://schemas.openxmlformats.org/markup-compatibility/2006">
-        <mc:Choice xmlns:p14="http://schemas.microsoft.com/office/powerpoint/2010/main" Requires="p14">
+      <mc:AlternateContent xmlns:mc="http://schemas.openxmlformats.org/markup-compatibility/2006" xmlns:p14="http://schemas.microsoft.com/office/powerpoint/2010/main">
+        <mc:Choice Requires="p14">
           <p:contentPart p14:bwMode="auto" r:id="rId25">
             <p14:nvContentPartPr>
               <p14:cNvPr id="23" name="Ink 22">
@@ -2489,7 +2536,7 @@
             </p14:xfrm>
           </p:contentPart>
         </mc:Choice>
-        <mc:Fallback>
+        <mc:Fallback xmlns="">
           <p:pic>
             <p:nvPicPr>
               <p:cNvPr id="23" name="Ink 22">
@@ -2610,8 +2657,8 @@
           </a:prstGeom>
         </p:spPr>
       </p:pic>
-      <mc:AlternateContent xmlns:mc="http://schemas.openxmlformats.org/markup-compatibility/2006">
-        <mc:Choice xmlns:p14="http://schemas.microsoft.com/office/powerpoint/2010/main" Requires="p14">
+      <mc:AlternateContent xmlns:mc="http://schemas.openxmlformats.org/markup-compatibility/2006" xmlns:p14="http://schemas.microsoft.com/office/powerpoint/2010/main">
+        <mc:Choice Requires="p14">
           <p:contentPart p14:bwMode="auto" r:id="rId4">
             <p14:nvContentPartPr>
               <p14:cNvPr id="4" name="Ink 3">
@@ -2630,7 +2677,7 @@
             </p14:xfrm>
           </p:contentPart>
         </mc:Choice>
-        <mc:Fallback>
+        <mc:Fallback xmlns="">
           <p:pic>
             <p:nvPicPr>
               <p:cNvPr id="4" name="Ink 3">
@@ -2661,8 +2708,8 @@
           </p:pic>
         </mc:Fallback>
       </mc:AlternateContent>
-      <mc:AlternateContent xmlns:mc="http://schemas.openxmlformats.org/markup-compatibility/2006">
-        <mc:Choice xmlns:p14="http://schemas.microsoft.com/office/powerpoint/2010/main" Requires="p14">
+      <mc:AlternateContent xmlns:mc="http://schemas.openxmlformats.org/markup-compatibility/2006" xmlns:p14="http://schemas.microsoft.com/office/powerpoint/2010/main">
+        <mc:Choice Requires="p14">
           <p:contentPart p14:bwMode="auto" r:id="rId6">
             <p14:nvContentPartPr>
               <p14:cNvPr id="5" name="Ink 4">
@@ -2681,7 +2728,7 @@
             </p14:xfrm>
           </p:contentPart>
         </mc:Choice>
-        <mc:Fallback>
+        <mc:Fallback xmlns="">
           <p:pic>
             <p:nvPicPr>
               <p:cNvPr id="5" name="Ink 4">
